--- a/PIE_IoT.pptx
+++ b/PIE_IoT.pptx
@@ -144,7 +144,7 @@
   </p:defaultTextStyle>
   <p:extLst>
     <p:ext uri="{EFAFB233-063F-42B5-8137-9DF3F51BA10A}">
-      <p15:sldGuideLst xmlns:p15="http://schemas.microsoft.com/office/powerpoint/2012/main" xmlns="">
+      <p15:sldGuideLst xmlns="" xmlns:p15="http://schemas.microsoft.com/office/powerpoint/2012/main">
         <p15:guide id="1" orient="horz" pos="2160">
           <p15:clr>
             <a:srgbClr val="A4A3A4"/>
@@ -158,7 +158,7 @@
       </p15:sldGuideLst>
     </p:ext>
     <p:ext uri="{2D200454-40CA-4A62-9FC3-DE9A4176ACB9}">
-      <p15:notesGuideLst xmlns:p15="http://schemas.microsoft.com/office/powerpoint/2012/main" xmlns=""/>
+      <p15:notesGuideLst xmlns="" xmlns:p15="http://schemas.microsoft.com/office/powerpoint/2012/main"/>
     </p:ext>
   </p:extLst>
 </p:presentation>
@@ -6670,7 +6670,7 @@
         </p:nvSpPr>
         <p:spPr>
           <a:xfrm>
-            <a:off x="4164032" y="3129026"/>
+            <a:off x="4088904" y="3129026"/>
             <a:ext cx="5070563" cy="1581497"/>
           </a:xfrm>
           <a:prstGeom prst="rect">
@@ -8031,6 +8031,117 @@
           </p:spPr>
         </p:pic>
       </p:grpSp>
+      <p:sp>
+        <p:nvSpPr>
+          <p:cNvPr id="5" name="TextBox 4"/>
+          <p:cNvSpPr txBox="1"/>
+          <p:nvPr/>
+        </p:nvSpPr>
+        <p:spPr>
+          <a:xfrm>
+            <a:off x="2368288" y="1965619"/>
+            <a:ext cx="4123565" cy="3170099"/>
+          </a:xfrm>
+          <a:prstGeom prst="rect">
+            <a:avLst/>
+          </a:prstGeom>
+          <a:noFill/>
+        </p:spPr>
+        <p:txBody>
+          <a:bodyPr wrap="square" rtlCol="0">
+            <a:spAutoFit/>
+          </a:bodyPr>
+          <a:lstStyle/>
+          <a:p>
+            <a:r>
+              <a:rPr lang="en-US" sz="4000" b="1" dirty="0" smtClean="0">
+                <a:effectLst>
+                  <a:outerShdw blurRad="38100" dist="38100" dir="2700000" algn="tl">
+                    <a:srgbClr val="000000">
+                      <a:alpha val="43137"/>
+                    </a:srgbClr>
+                  </a:outerShdw>
+                </a:effectLst>
+              </a:rPr>
+              <a:t>Python</a:t>
+            </a:r>
+          </a:p>
+          <a:p>
+            <a:r>
+              <a:rPr lang="en-US" sz="4000" b="1" dirty="0" smtClean="0">
+                <a:effectLst>
+                  <a:outerShdw blurRad="38100" dist="38100" dir="2700000" algn="tl">
+                    <a:srgbClr val="000000">
+                      <a:alpha val="43137"/>
+                    </a:srgbClr>
+                  </a:outerShdw>
+                </a:effectLst>
+              </a:rPr>
+              <a:t>VB, Basic</a:t>
+            </a:r>
+            <a:br>
+              <a:rPr lang="en-US" sz="4000" b="1" dirty="0" smtClean="0">
+                <a:effectLst>
+                  <a:outerShdw blurRad="38100" dist="38100" dir="2700000" algn="tl">
+                    <a:srgbClr val="000000">
+                      <a:alpha val="43137"/>
+                    </a:srgbClr>
+                  </a:outerShdw>
+                </a:effectLst>
+              </a:rPr>
+            </a:br>
+            <a:r>
+              <a:rPr lang="en-US" sz="4000" b="1" dirty="0" smtClean="0">
+                <a:effectLst>
+                  <a:outerShdw blurRad="38100" dist="38100" dir="2700000" algn="tl">
+                    <a:srgbClr val="000000">
+                      <a:alpha val="43137"/>
+                    </a:srgbClr>
+                  </a:outerShdw>
+                </a:effectLst>
+              </a:rPr>
+              <a:t>C#, C++</a:t>
+            </a:r>
+          </a:p>
+          <a:p>
+            <a:r>
+              <a:rPr lang="en-US" sz="4000" b="1" dirty="0" smtClean="0">
+                <a:effectLst>
+                  <a:outerShdw blurRad="38100" dist="38100" dir="2700000" algn="tl">
+                    <a:srgbClr val="000000">
+                      <a:alpha val="43137"/>
+                    </a:srgbClr>
+                  </a:outerShdw>
+                </a:effectLst>
+              </a:rPr>
+              <a:t>Java </a:t>
+            </a:r>
+          </a:p>
+          <a:p>
+            <a:r>
+              <a:rPr lang="en-US" sz="4000" b="1" dirty="0" smtClean="0">
+                <a:effectLst>
+                  <a:outerShdw blurRad="38100" dist="38100" dir="2700000" algn="tl">
+                    <a:srgbClr val="000000">
+                      <a:alpha val="43137"/>
+                    </a:srgbClr>
+                  </a:outerShdw>
+                </a:effectLst>
+              </a:rPr>
+              <a:t>Delphi…</a:t>
+            </a:r>
+            <a:endParaRPr lang="th-TH" sz="4000" b="1" dirty="0">
+              <a:effectLst>
+                <a:outerShdw blurRad="38100" dist="38100" dir="2700000" algn="tl">
+                  <a:srgbClr val="000000">
+                    <a:alpha val="43137"/>
+                  </a:srgbClr>
+                </a:outerShdw>
+              </a:effectLst>
+            </a:endParaRPr>
+          </a:p>
+        </p:txBody>
+      </p:sp>
       <p:pic>
         <p:nvPicPr>
           <p:cNvPr id="2063" name="Picture 15" descr="ผลการค้นหารูปภาพสำหรับ ชาวนา"/>
@@ -8054,7 +8165,7 @@
         </p:blipFill>
         <p:spPr bwMode="auto">
           <a:xfrm>
-            <a:off x="1492912" y="621743"/>
+            <a:off x="1696575" y="929840"/>
             <a:ext cx="3800475" cy="2571751"/>
           </a:xfrm>
           <a:prstGeom prst="rect">
@@ -8090,15 +8201,7 @@
               <a:srgbClr val="FFFFFF"/>
             </a:contourClr>
           </a:sp3d>
-          <a:extLst>
-            <a:ext uri="{909E8E84-426E-40DD-AFC4-6F175D3DCCD1}">
-              <a14:hiddenFill xmlns:a14="http://schemas.microsoft.com/office/drawing/2010/main">
-                <a:solidFill>
-                  <a:srgbClr val="FFFFFF"/>
-                </a:solidFill>
-              </a14:hiddenFill>
-            </a:ext>
-          </a:extLst>
+          <a:extLst/>
         </p:spPr>
       </p:pic>
       <p:pic>
@@ -8124,7 +8227,7 @@
         </p:blipFill>
         <p:spPr bwMode="auto">
           <a:xfrm>
-            <a:off x="1067819" y="2987724"/>
+            <a:off x="1271482" y="3295821"/>
             <a:ext cx="4508845" cy="2536225"/>
           </a:xfrm>
           <a:prstGeom prst="rect">
@@ -8160,15 +8263,7 @@
               <a:srgbClr val="FFFFFF"/>
             </a:contourClr>
           </a:sp3d>
-          <a:extLst>
-            <a:ext uri="{909E8E84-426E-40DD-AFC4-6F175D3DCCD1}">
-              <a14:hiddenFill xmlns:a14="http://schemas.microsoft.com/office/drawing/2010/main">
-                <a:solidFill>
-                  <a:srgbClr val="FFFFFF"/>
-                </a:solidFill>
-              </a14:hiddenFill>
-            </a:ext>
-          </a:extLst>
+          <a:extLst/>
         </p:spPr>
       </p:pic>
       <p:pic>
@@ -8194,7 +8289,7 @@
         </p:blipFill>
         <p:spPr bwMode="auto">
           <a:xfrm>
-            <a:off x="3760367" y="2146861"/>
+            <a:off x="3964030" y="2454958"/>
             <a:ext cx="3632594" cy="2417326"/>
           </a:xfrm>
           <a:prstGeom prst="rect">
@@ -8230,15 +8325,7 @@
               <a:srgbClr val="FFFFFF"/>
             </a:contourClr>
           </a:sp3d>
-          <a:extLst>
-            <a:ext uri="{909E8E84-426E-40DD-AFC4-6F175D3DCCD1}">
-              <a14:hiddenFill xmlns:a14="http://schemas.microsoft.com/office/drawing/2010/main">
-                <a:solidFill>
-                  <a:srgbClr val="FFFFFF"/>
-                </a:solidFill>
-              </a14:hiddenFill>
-            </a:ext>
-          </a:extLst>
+          <a:extLst/>
         </p:spPr>
       </p:pic>
       <p:pic>
@@ -8264,7 +8351,7 @@
         </p:blipFill>
         <p:spPr bwMode="auto">
           <a:xfrm>
-            <a:off x="6308950" y="3056771"/>
+            <a:off x="6512613" y="3364868"/>
             <a:ext cx="2939183" cy="2939183"/>
           </a:xfrm>
           <a:prstGeom prst="rect">
@@ -8311,6 +8398,9 @@
                     <p:cTn id="3" fill="hold">
                       <p:stCondLst>
                         <p:cond delay="indefinite"/>
+                        <p:cond evt="onBegin" delay="0">
+                          <p:tn val="2"/>
+                        </p:cond>
                       </p:stCondLst>
                       <p:childTnLst>
                         <p:par>
@@ -8320,7 +8410,7 @@
                             </p:stCondLst>
                             <p:childTnLst>
                               <p:par>
-                                <p:cTn id="5" presetID="1" presetClass="entr" presetSubtype="0" fill="hold" nodeType="clickEffect">
+                                <p:cTn id="5" presetID="1" presetClass="entr" presetSubtype="0" fill="hold" grpId="0" nodeType="afterEffect">
                                   <p:stCondLst>
                                     <p:cond delay="0"/>
                                   </p:stCondLst>
@@ -8333,7 +8423,7 @@
                                           </p:stCondLst>
                                         </p:cTn>
                                         <p:tgtEl>
-                                          <p:spTgt spid="2048"/>
+                                          <p:spTgt spid="5"/>
                                         </p:tgtEl>
                                         <p:attrNameLst>
                                           <p:attrName>style.visibility</p:attrName>
@@ -8367,12 +8457,57 @@
                               <p:par>
                                 <p:cTn id="9" presetID="1" presetClass="entr" presetSubtype="0" fill="hold" nodeType="clickEffect">
                                   <p:stCondLst>
+                                    <p:cond delay="0"/>
+                                  </p:stCondLst>
+                                  <p:childTnLst>
+                                    <p:set>
+                                      <p:cBhvr>
+                                        <p:cTn id="10" dur="1" fill="hold">
+                                          <p:stCondLst>
+                                            <p:cond delay="0"/>
+                                          </p:stCondLst>
+                                        </p:cTn>
+                                        <p:tgtEl>
+                                          <p:spTgt spid="2048"/>
+                                        </p:tgtEl>
+                                        <p:attrNameLst>
+                                          <p:attrName>style.visibility</p:attrName>
+                                        </p:attrNameLst>
+                                      </p:cBhvr>
+                                      <p:to>
+                                        <p:strVal val="visible"/>
+                                      </p:to>
+                                    </p:set>
+                                  </p:childTnLst>
+                                </p:cTn>
+                              </p:par>
+                            </p:childTnLst>
+                          </p:cTn>
+                        </p:par>
+                      </p:childTnLst>
+                    </p:cTn>
+                  </p:par>
+                  <p:par>
+                    <p:cTn id="11" fill="hold">
+                      <p:stCondLst>
+                        <p:cond delay="indefinite"/>
+                      </p:stCondLst>
+                      <p:childTnLst>
+                        <p:par>
+                          <p:cTn id="12" fill="hold">
+                            <p:stCondLst>
+                              <p:cond delay="0"/>
+                            </p:stCondLst>
+                            <p:childTnLst>
+                              <p:par>
+                                <p:cTn id="13" presetID="1" presetClass="entr" presetSubtype="0" fill="hold" nodeType="clickEffect">
+                                  <p:stCondLst>
                                     <p:cond delay="500"/>
                                   </p:stCondLst>
                                   <p:childTnLst>
                                     <p:set>
                                       <p:cBhvr>
-                                        <p:cTn id="10" dur="1" fill="hold">
+                                        <p:cTn id="14" dur="1" fill="hold">
                                           <p:stCondLst>
                                             <p:cond delay="0"/>
                                           </p:stCondLst>
@@ -8392,14 +8527,14 @@
                                 </p:cTn>
                               </p:par>
                               <p:par>
-                                <p:cTn id="11" presetID="1" presetClass="entr" presetSubtype="0" fill="hold" nodeType="withEffect">
+                                <p:cTn id="15" presetID="1" presetClass="entr" presetSubtype="0" fill="hold" nodeType="withEffect">
                                   <p:stCondLst>
                                     <p:cond delay="1500"/>
                                   </p:stCondLst>
                                   <p:childTnLst>
                                     <p:set>
                                       <p:cBhvr>
-                                        <p:cTn id="12" dur="1" fill="hold">
+                                        <p:cTn id="16" dur="1" fill="hold">
                                           <p:stCondLst>
                                             <p:cond delay="0"/>
                                           </p:stCondLst>
@@ -8419,14 +8554,14 @@
                                 </p:cTn>
                               </p:par>
                               <p:par>
-                                <p:cTn id="13" presetID="1" presetClass="entr" presetSubtype="0" fill="hold" nodeType="withEffect">
+                                <p:cTn id="17" presetID="1" presetClass="entr" presetSubtype="0" fill="hold" nodeType="withEffect">
                                   <p:stCondLst>
                                     <p:cond delay="2000"/>
                                   </p:stCondLst>
                                   <p:childTnLst>
                                     <p:set>
                                       <p:cBhvr>
-                                        <p:cTn id="14" dur="1" fill="hold">
+                                        <p:cTn id="18" dur="1" fill="hold">
                                           <p:stCondLst>
                                             <p:cond delay="0"/>
                                           </p:stCondLst>
@@ -8446,14 +8581,14 @@
                                 </p:cTn>
                               </p:par>
                               <p:par>
-                                <p:cTn id="15" presetID="1" presetClass="entr" presetSubtype="0" fill="hold" nodeType="withEffect">
+                                <p:cTn id="19" presetID="1" presetClass="entr" presetSubtype="0" fill="hold" nodeType="withEffect">
                                   <p:stCondLst>
                                     <p:cond delay="1000"/>
                                   </p:stCondLst>
                                   <p:childTnLst>
                                     <p:set>
                                       <p:cBhvr>
-                                        <p:cTn id="16" dur="1" fill="hold">
+                                        <p:cTn id="20" dur="1" fill="hold">
                                           <p:stCondLst>
                                             <p:cond delay="0"/>
                                           </p:stCondLst>
@@ -8499,6 +8634,9 @@
         </p:cTn>
       </p:par>
     </p:tnLst>
+    <p:bldLst>
+      <p:bldP spid="5" grpId="0"/>
+    </p:bldLst>
   </p:timing>
 </p:sld>
 </file>
@@ -9002,34 +9140,7 @@
               <a:srgbClr val="FFFFFF"/>
             </a:contourClr>
           </a:sp3d>
-          <a:extLst>
-            <a:ext uri="{909E8E84-426E-40DD-AFC4-6F175D3DCCD1}">
-              <a14:hiddenFill xmlns:a14="http://schemas.microsoft.com/office/drawing/2010/main">
-                <a:solidFill>
-                  <a:schemeClr val="accent1"/>
-                </a:solidFill>
-              </a14:hiddenFill>
-            </a:ext>
-            <a:ext uri="{91240B29-F687-4F45-9708-019B960494DF}">
-              <a14:hiddenLine xmlns:a14="http://schemas.microsoft.com/office/drawing/2010/main" w="9525">
-                <a:solidFill>
-                  <a:schemeClr val="tx1"/>
-                </a:solidFill>
-                <a:miter lim="800000"/>
-                <a:headEnd/>
-                <a:tailEnd/>
-              </a14:hiddenLine>
-            </a:ext>
-            <a:ext uri="{AF507438-7753-43E0-B8FC-AC1667EBCBE1}">
-              <a14:hiddenEffects xmlns:a14="http://schemas.microsoft.com/office/drawing/2010/main">
-                <a:effectLst>
-                  <a:outerShdw dist="35921" dir="2700000" algn="ctr" rotWithShape="0">
-                    <a:schemeClr val="bg2"/>
-                  </a:outerShdw>
-                </a:effectLst>
-              </a14:hiddenEffects>
-            </a:ext>
-          </a:extLst>
+          <a:extLst/>
         </p:spPr>
       </p:pic>
       <p:pic>
@@ -9672,34 +9783,7 @@
               <a:srgbClr val="FFFFFF"/>
             </a:contourClr>
           </a:sp3d>
-          <a:extLst>
-            <a:ext uri="{909E8E84-426E-40DD-AFC4-6F175D3DCCD1}">
-              <a14:hiddenFill xmlns:a14="http://schemas.microsoft.com/office/drawing/2010/main">
-                <a:solidFill>
-                  <a:schemeClr val="accent1"/>
-                </a:solidFill>
-              </a14:hiddenFill>
-            </a:ext>
-            <a:ext uri="{91240B29-F687-4F45-9708-019B960494DF}">
-              <a14:hiddenLine xmlns:a14="http://schemas.microsoft.com/office/drawing/2010/main" w="9525">
-                <a:solidFill>
-                  <a:schemeClr val="tx1"/>
-                </a:solidFill>
-                <a:miter lim="800000"/>
-                <a:headEnd/>
-                <a:tailEnd/>
-              </a14:hiddenLine>
-            </a:ext>
-            <a:ext uri="{AF507438-7753-43E0-B8FC-AC1667EBCBE1}">
-              <a14:hiddenEffects xmlns:a14="http://schemas.microsoft.com/office/drawing/2010/main">
-                <a:effectLst>
-                  <a:outerShdw dist="35921" dir="2700000" algn="ctr" rotWithShape="0">
-                    <a:schemeClr val="bg2"/>
-                  </a:outerShdw>
-                </a:effectLst>
-              </a14:hiddenEffects>
-            </a:ext>
-          </a:extLst>
+          <a:extLst/>
         </p:spPr>
       </p:pic>
     </p:spTree>
@@ -9904,6 +9988,64 @@
           </a:prstGeom>
         </p:spPr>
       </p:pic>
+      <p:sp>
+        <p:nvSpPr>
+          <p:cNvPr id="5" name="สี่เหลี่ยมผืนผ้า 7"/>
+          <p:cNvSpPr/>
+          <p:nvPr/>
+        </p:nvSpPr>
+        <p:spPr>
+          <a:xfrm>
+            <a:off x="221903" y="6209498"/>
+            <a:ext cx="1935145" cy="523220"/>
+          </a:xfrm>
+          <a:prstGeom prst="rect">
+            <a:avLst/>
+          </a:prstGeom>
+        </p:spPr>
+        <p:txBody>
+          <a:bodyPr wrap="none">
+            <a:spAutoFit/>
+          </a:bodyPr>
+          <a:lstStyle/>
+          <a:p>
+            <a:r>
+              <a:rPr lang="en-US" sz="2800" u="sng" dirty="0" smtClean="0">
+                <a:solidFill>
+                  <a:schemeClr val="accent6">
+                    <a:lumMod val="75000"/>
+                  </a:schemeClr>
+                </a:solidFill>
+                <a:effectLst>
+                  <a:outerShdw blurRad="38100" dist="38100" dir="2700000" algn="tl">
+                    <a:srgbClr val="000000">
+                      <a:alpha val="43137"/>
+                    </a:srgbClr>
+                  </a:outerShdw>
+                </a:effectLst>
+                <a:latin typeface="TH Sarabun New" panose="020B0500040200020003" pitchFamily="34" charset="-34"/>
+                <a:ea typeface="Calibri" panose="020F0502020204030204" pitchFamily="34" charset="0"/>
+                <a:cs typeface="Cordia New" panose="020B0304020202020204" pitchFamily="34" charset="-34"/>
+              </a:rPr>
+              <a:t>www.pieiot.com</a:t>
+            </a:r>
+            <a:endParaRPr lang="th-TH" sz="2800" dirty="0">
+              <a:solidFill>
+                <a:schemeClr val="accent6">
+                  <a:lumMod val="75000"/>
+                </a:schemeClr>
+              </a:solidFill>
+              <a:effectLst>
+                <a:outerShdw blurRad="38100" dist="38100" dir="2700000" algn="tl">
+                  <a:srgbClr val="000000">
+                    <a:alpha val="43137"/>
+                  </a:srgbClr>
+                </a:outerShdw>
+              </a:effectLst>
+            </a:endParaRPr>
+          </a:p>
+        </p:txBody>
+      </p:sp>
     </p:spTree>
     <p:extLst>
       <p:ext uri="{BB962C8B-B14F-4D97-AF65-F5344CB8AC3E}">
@@ -10070,6 +10212,64 @@
               <a:latin typeface="TH Sarabun New" pitchFamily="34" charset="-34"/>
               <a:ea typeface="Gulim" pitchFamily="34" charset="-127"/>
               <a:cs typeface="TH Sarabun New" pitchFamily="34" charset="-34"/>
+            </a:endParaRPr>
+          </a:p>
+        </p:txBody>
+      </p:sp>
+      <p:sp>
+        <p:nvSpPr>
+          <p:cNvPr id="4" name="สี่เหลี่ยมผืนผ้า 7"/>
+          <p:cNvSpPr/>
+          <p:nvPr/>
+        </p:nvSpPr>
+        <p:spPr>
+          <a:xfrm>
+            <a:off x="221903" y="6209498"/>
+            <a:ext cx="1935145" cy="523220"/>
+          </a:xfrm>
+          <a:prstGeom prst="rect">
+            <a:avLst/>
+          </a:prstGeom>
+        </p:spPr>
+        <p:txBody>
+          <a:bodyPr wrap="none">
+            <a:spAutoFit/>
+          </a:bodyPr>
+          <a:lstStyle/>
+          <a:p>
+            <a:r>
+              <a:rPr lang="en-US" sz="2800" u="sng" dirty="0" smtClean="0">
+                <a:solidFill>
+                  <a:schemeClr val="accent6">
+                    <a:lumMod val="75000"/>
+                  </a:schemeClr>
+                </a:solidFill>
+                <a:effectLst>
+                  <a:outerShdw blurRad="38100" dist="38100" dir="2700000" algn="tl">
+                    <a:srgbClr val="000000">
+                      <a:alpha val="43137"/>
+                    </a:srgbClr>
+                  </a:outerShdw>
+                </a:effectLst>
+                <a:latin typeface="TH Sarabun New" panose="020B0500040200020003" pitchFamily="34" charset="-34"/>
+                <a:ea typeface="Calibri" panose="020F0502020204030204" pitchFamily="34" charset="0"/>
+                <a:cs typeface="Cordia New" panose="020B0304020202020204" pitchFamily="34" charset="-34"/>
+              </a:rPr>
+              <a:t>www.pieiot.com</a:t>
+            </a:r>
+            <a:endParaRPr lang="th-TH" sz="2800" dirty="0">
+              <a:solidFill>
+                <a:schemeClr val="accent6">
+                  <a:lumMod val="75000"/>
+                </a:schemeClr>
+              </a:solidFill>
+              <a:effectLst>
+                <a:outerShdw blurRad="38100" dist="38100" dir="2700000" algn="tl">
+                  <a:srgbClr val="000000">
+                    <a:alpha val="43137"/>
+                  </a:srgbClr>
+                </a:outerShdw>
+              </a:effectLst>
             </a:endParaRPr>
           </a:p>
         </p:txBody>
